--- a/The Great Audio Race 2.pptx
+++ b/The Great Audio Race 2.pptx
@@ -8,16 +8,17 @@
     <p:sldId id="256" r:id="rId2"/>
     <p:sldId id="257" r:id="rId3"/>
     <p:sldId id="260" r:id="rId4"/>
-    <p:sldId id="269" r:id="rId5"/>
-    <p:sldId id="265" r:id="rId6"/>
-    <p:sldId id="266" r:id="rId7"/>
-    <p:sldId id="258" r:id="rId8"/>
-    <p:sldId id="261" r:id="rId9"/>
-    <p:sldId id="267" r:id="rId10"/>
-    <p:sldId id="262" r:id="rId11"/>
-    <p:sldId id="263" r:id="rId12"/>
-    <p:sldId id="264" r:id="rId13"/>
-    <p:sldId id="270" r:id="rId14"/>
+    <p:sldId id="271" r:id="rId5"/>
+    <p:sldId id="269" r:id="rId6"/>
+    <p:sldId id="265" r:id="rId7"/>
+    <p:sldId id="266" r:id="rId8"/>
+    <p:sldId id="258" r:id="rId9"/>
+    <p:sldId id="261" r:id="rId10"/>
+    <p:sldId id="267" r:id="rId11"/>
+    <p:sldId id="262" r:id="rId12"/>
+    <p:sldId id="263" r:id="rId13"/>
+    <p:sldId id="264" r:id="rId14"/>
+    <p:sldId id="270" r:id="rId15"/>
   </p:sldIdLst>
   <p:sldSz cx="9144000" cy="6858000" type="screen4x3"/>
   <p:notesSz cx="6858000" cy="9144000"/>
@@ -514,11 +515,11 @@
         </c:dLbls>
         <c:gapWidth val="150"/>
         <c:overlap val="100"/>
-        <c:axId val="2081800776"/>
-        <c:axId val="2081803752"/>
+        <c:axId val="2081091080"/>
+        <c:axId val="2081043672"/>
       </c:barChart>
       <c:catAx>
-        <c:axId val="2081800776"/>
+        <c:axId val="2081091080"/>
         <c:scaling>
           <c:orientation val="maxMin"/>
         </c:scaling>
@@ -527,7 +528,7 @@
         <c:majorTickMark val="out"/>
         <c:minorTickMark val="none"/>
         <c:tickLblPos val="nextTo"/>
-        <c:crossAx val="2081803752"/>
+        <c:crossAx val="2081043672"/>
         <c:crosses val="autoZero"/>
         <c:auto val="1"/>
         <c:lblAlgn val="ctr"/>
@@ -535,7 +536,7 @@
         <c:noMultiLvlLbl val="0"/>
       </c:catAx>
       <c:valAx>
-        <c:axId val="2081803752"/>
+        <c:axId val="2081043672"/>
         <c:scaling>
           <c:orientation val="minMax"/>
           <c:max val="40870.0"/>
@@ -548,7 +549,7 @@
         <c:majorTickMark val="out"/>
         <c:minorTickMark val="none"/>
         <c:tickLblPos val="nextTo"/>
-        <c:crossAx val="2081800776"/>
+        <c:crossAx val="2081091080"/>
         <c:crosses val="autoZero"/>
         <c:crossBetween val="between"/>
       </c:valAx>
@@ -758,7 +759,7 @@
           <a:p>
             <a:fld id="{CAF76F7E-B1F9-4A83-B249-B1B3F09A72E9}" type="datetimeFigureOut">
               <a:rPr lang="en-US" smtClean="0"/>
-              <a:t>11/7/11</a:t>
+              <a:t>11/8/11</a:t>
             </a:fld>
             <a:endParaRPr lang="en-US"/>
           </a:p>
@@ -928,7 +929,7 @@
           <a:p>
             <a:fld id="{CAF76F7E-B1F9-4A83-B249-B1B3F09A72E9}" type="datetimeFigureOut">
               <a:rPr lang="en-US" smtClean="0"/>
-              <a:t>11/7/11</a:t>
+              <a:t>11/8/11</a:t>
             </a:fld>
             <a:endParaRPr lang="en-US"/>
           </a:p>
@@ -1108,7 +1109,7 @@
           <a:p>
             <a:fld id="{CAF76F7E-B1F9-4A83-B249-B1B3F09A72E9}" type="datetimeFigureOut">
               <a:rPr lang="en-US" smtClean="0"/>
-              <a:t>11/7/11</a:t>
+              <a:t>11/8/11</a:t>
             </a:fld>
             <a:endParaRPr lang="en-US"/>
           </a:p>
@@ -1278,7 +1279,7 @@
           <a:p>
             <a:fld id="{CAF76F7E-B1F9-4A83-B249-B1B3F09A72E9}" type="datetimeFigureOut">
               <a:rPr lang="en-US" smtClean="0"/>
-              <a:t>11/7/11</a:t>
+              <a:t>11/8/11</a:t>
             </a:fld>
             <a:endParaRPr lang="en-US"/>
           </a:p>
@@ -1524,7 +1525,7 @@
           <a:p>
             <a:fld id="{CAF76F7E-B1F9-4A83-B249-B1B3F09A72E9}" type="datetimeFigureOut">
               <a:rPr lang="en-US" smtClean="0"/>
-              <a:t>11/7/11</a:t>
+              <a:t>11/8/11</a:t>
             </a:fld>
             <a:endParaRPr lang="en-US"/>
           </a:p>
@@ -1812,7 +1813,7 @@
           <a:p>
             <a:fld id="{CAF76F7E-B1F9-4A83-B249-B1B3F09A72E9}" type="datetimeFigureOut">
               <a:rPr lang="en-US" smtClean="0"/>
-              <a:t>11/7/11</a:t>
+              <a:t>11/8/11</a:t>
             </a:fld>
             <a:endParaRPr lang="en-US"/>
           </a:p>
@@ -2234,7 +2235,7 @@
           <a:p>
             <a:fld id="{CAF76F7E-B1F9-4A83-B249-B1B3F09A72E9}" type="datetimeFigureOut">
               <a:rPr lang="en-US" smtClean="0"/>
-              <a:t>11/7/11</a:t>
+              <a:t>11/8/11</a:t>
             </a:fld>
             <a:endParaRPr lang="en-US"/>
           </a:p>
@@ -2352,7 +2353,7 @@
           <a:p>
             <a:fld id="{CAF76F7E-B1F9-4A83-B249-B1B3F09A72E9}" type="datetimeFigureOut">
               <a:rPr lang="en-US" smtClean="0"/>
-              <a:t>11/7/11</a:t>
+              <a:t>11/8/11</a:t>
             </a:fld>
             <a:endParaRPr lang="en-US"/>
           </a:p>
@@ -2447,7 +2448,7 @@
           <a:p>
             <a:fld id="{CAF76F7E-B1F9-4A83-B249-B1B3F09A72E9}" type="datetimeFigureOut">
               <a:rPr lang="en-US" smtClean="0"/>
-              <a:t>11/7/11</a:t>
+              <a:t>11/8/11</a:t>
             </a:fld>
             <a:endParaRPr lang="en-US"/>
           </a:p>
@@ -2724,7 +2725,7 @@
           <a:p>
             <a:fld id="{CAF76F7E-B1F9-4A83-B249-B1B3F09A72E9}" type="datetimeFigureOut">
               <a:rPr lang="en-US" smtClean="0"/>
-              <a:t>11/7/11</a:t>
+              <a:t>11/8/11</a:t>
             </a:fld>
             <a:endParaRPr lang="en-US"/>
           </a:p>
@@ -2977,7 +2978,7 @@
           <a:p>
             <a:fld id="{CAF76F7E-B1F9-4A83-B249-B1B3F09A72E9}" type="datetimeFigureOut">
               <a:rPr lang="en-US" smtClean="0"/>
-              <a:t>11/7/11</a:t>
+              <a:t>11/8/11</a:t>
             </a:fld>
             <a:endParaRPr lang="en-US"/>
           </a:p>
@@ -3190,7 +3191,7 @@
           <a:p>
             <a:fld id="{CAF76F7E-B1F9-4A83-B249-B1B3F09A72E9}" type="datetimeFigureOut">
               <a:rPr lang="en-US" smtClean="0"/>
-              <a:t>11/7/11</a:t>
+              <a:t>11/8/11</a:t>
             </a:fld>
             <a:endParaRPr lang="en-US"/>
           </a:p>
@@ -3733,6 +3734,121 @@
           <a:p>
             <a:r>
               <a:rPr lang="en-US" dirty="0" smtClean="0"/>
+              <a:t>Gantt Chart</a:t>
+            </a:r>
+            <a:endParaRPr lang="en-US" dirty="0"/>
+          </a:p>
+        </p:txBody>
+      </p:sp>
+      <p:graphicFrame>
+        <p:nvGraphicFramePr>
+          <p:cNvPr id="4" name="Content Placeholder 3"/>
+          <p:cNvGraphicFramePr>
+            <a:graphicFrameLocks noGrp="1"/>
+          </p:cNvGraphicFramePr>
+          <p:nvPr>
+            <p:ph idx="1"/>
+            <p:extLst>
+              <p:ext uri="{D42A27DB-BD31-4B8C-83A1-F6EECF244321}">
+                <p14:modId xmlns:p14="http://schemas.microsoft.com/office/powerpoint/2010/main" val="3509556602"/>
+              </p:ext>
+            </p:extLst>
+          </p:nvPr>
+        </p:nvGraphicFramePr>
+        <p:xfrm>
+          <a:off x="457200" y="1295400"/>
+          <a:ext cx="8229600" cy="4525963"/>
+        </p:xfrm>
+        <a:graphic>
+          <a:graphicData uri="http://schemas.openxmlformats.org/drawingml/2006/chart">
+            <c:chart xmlns:c="http://schemas.openxmlformats.org/drawingml/2006/chart" xmlns:r="http://schemas.openxmlformats.org/officeDocument/2006/relationships" r:id="rId2"/>
+          </a:graphicData>
+        </a:graphic>
+      </p:graphicFrame>
+      <p:pic>
+        <p:nvPicPr>
+          <p:cNvPr id="7" name="Picture 6" descr="that1group-logo-white.jpg"/>
+          <p:cNvPicPr>
+            <a:picLocks noChangeAspect="1"/>
+          </p:cNvPicPr>
+          <p:nvPr/>
+        </p:nvPicPr>
+        <p:blipFill>
+          <a:blip r:embed="rId3">
+            <a:extLst>
+              <a:ext uri="{28A0092B-C50C-407E-A947-70E740481C1C}">
+                <a14:useLocalDpi xmlns:a14="http://schemas.microsoft.com/office/drawing/2010/main" val="0"/>
+              </a:ext>
+            </a:extLst>
+          </a:blip>
+          <a:stretch>
+            <a:fillRect/>
+          </a:stretch>
+        </p:blipFill>
+        <p:spPr>
+          <a:xfrm>
+            <a:off x="7366000" y="5715000"/>
+            <a:ext cx="1524000" cy="1143000"/>
+          </a:xfrm>
+          <a:prstGeom prst="rect">
+            <a:avLst/>
+          </a:prstGeom>
+        </p:spPr>
+      </p:pic>
+    </p:spTree>
+    <p:extLst>
+      <p:ext uri="{BB962C8B-B14F-4D97-AF65-F5344CB8AC3E}">
+        <p14:creationId xmlns:p14="http://schemas.microsoft.com/office/powerpoint/2010/main" val="1111077571"/>
+      </p:ext>
+    </p:extLst>
+  </p:cSld>
+  <p:clrMapOvr>
+    <a:masterClrMapping/>
+  </p:clrMapOvr>
+  <p:timing>
+    <p:tnLst>
+      <p:par>
+        <p:cTn xmlns:p14="http://schemas.microsoft.com/office/powerpoint/2010/main" id="1" dur="indefinite" restart="never" nodeType="tmRoot"/>
+      </p:par>
+    </p:tnLst>
+  </p:timing>
+</p:sld>
+</file>
+
+<file path=ppt/slides/slide11.xml><?xml version="1.0" encoding="utf-8"?>
+<p:sld xmlns:a="http://schemas.openxmlformats.org/drawingml/2006/main" xmlns:r="http://schemas.openxmlformats.org/officeDocument/2006/relationships" xmlns:p="http://schemas.openxmlformats.org/presentationml/2006/main">
+  <p:cSld>
+    <p:spTree>
+      <p:nvGrpSpPr>
+        <p:cNvPr id="1" name=""/>
+        <p:cNvGrpSpPr/>
+        <p:nvPr/>
+      </p:nvGrpSpPr>
+      <p:grpSpPr>
+        <a:xfrm>
+          <a:off x="0" y="0"/>
+          <a:ext cx="0" cy="0"/>
+          <a:chOff x="0" y="0"/>
+          <a:chExt cx="0" cy="0"/>
+        </a:xfrm>
+      </p:grpSpPr>
+      <p:sp>
+        <p:nvSpPr>
+          <p:cNvPr id="2" name="Title 1"/>
+          <p:cNvSpPr>
+            <a:spLocks noGrp="1"/>
+          </p:cNvSpPr>
+          <p:nvPr>
+            <p:ph type="title"/>
+          </p:nvPr>
+        </p:nvSpPr>
+        <p:spPr/>
+        <p:txBody>
+          <a:bodyPr/>
+          <a:lstStyle/>
+          <a:p>
+            <a:r>
+              <a:rPr lang="en-US" dirty="0" smtClean="0"/>
               <a:t>Tasks Completed</a:t>
             </a:r>
             <a:endParaRPr lang="en-US" dirty="0"/>
@@ -3770,7 +3886,6 @@
               <a:rPr lang="en-US" dirty="0" smtClean="0"/>
               <a:t>Have basic collision detection.</a:t>
             </a:r>
-            <a:endParaRPr lang="en-US" dirty="0" smtClean="0"/>
           </a:p>
           <a:p>
             <a:endParaRPr lang="en-US" dirty="0" smtClean="0"/>
@@ -3833,7 +3948,7 @@
 </p:sld>
 </file>
 
-<file path=ppt/slides/slide11.xml><?xml version="1.0" encoding="utf-8"?>
+<file path=ppt/slides/slide12.xml><?xml version="1.0" encoding="utf-8"?>
 <p:sld xmlns:a="http://schemas.openxmlformats.org/drawingml/2006/main" xmlns:r="http://schemas.openxmlformats.org/officeDocument/2006/relationships" xmlns:p="http://schemas.openxmlformats.org/presentationml/2006/main">
   <p:cSld>
     <p:spTree>
@@ -3890,11 +4005,7 @@
           <a:p>
             <a:r>
               <a:rPr lang="en-US" dirty="0" smtClean="0"/>
-              <a:t>Collect dat</a:t>
-            </a:r>
-            <a:r>
-              <a:rPr lang="en-US" dirty="0" smtClean="0"/>
-              <a:t>a and analyze frequency.</a:t>
+              <a:t>Collect data and analyze frequency.</a:t>
             </a:r>
           </a:p>
           <a:p>
@@ -3988,7 +4099,7 @@
 </p:sld>
 </file>
 
-<file path=ppt/slides/slide12.xml><?xml version="1.0" encoding="utf-8"?>
+<file path=ppt/slides/slide13.xml><?xml version="1.0" encoding="utf-8"?>
 <p:sld xmlns:a="http://schemas.openxmlformats.org/drawingml/2006/main" xmlns:r="http://schemas.openxmlformats.org/officeDocument/2006/relationships" xmlns:p="http://schemas.openxmlformats.org/presentationml/2006/main">
   <p:cSld>
     <p:spTree>
@@ -4047,7 +4158,6 @@
               <a:rPr lang="en-US" dirty="0" smtClean="0"/>
               <a:t>Where our progress is overall.</a:t>
             </a:r>
-            <a:endParaRPr lang="en-US" dirty="0" smtClean="0"/>
           </a:p>
           <a:p>
             <a:r>
@@ -4119,7 +4229,7 @@
 </p:sld>
 </file>
 
-<file path=ppt/slides/slide13.xml><?xml version="1.0" encoding="utf-8"?>
+<file path=ppt/slides/slide14.xml><?xml version="1.0" encoding="utf-8"?>
 <p:sld xmlns:a="http://schemas.openxmlformats.org/drawingml/2006/main" xmlns:r="http://schemas.openxmlformats.org/officeDocument/2006/relationships" xmlns:p="http://schemas.openxmlformats.org/presentationml/2006/main">
   <p:cSld>
     <p:spTree>
@@ -4551,14 +4661,12 @@
               <a:rPr lang="en-US" dirty="0" smtClean="0"/>
               <a:t>About the game.</a:t>
             </a:r>
-            <a:endParaRPr lang="en-US" dirty="0" smtClean="0"/>
           </a:p>
           <a:p>
             <a:r>
               <a:rPr lang="en-US" dirty="0" smtClean="0"/>
               <a:t>Relevance to the topic.</a:t>
             </a:r>
-            <a:endParaRPr lang="en-US" dirty="0" smtClean="0"/>
           </a:p>
           <a:p>
             <a:r>
@@ -4659,11 +4767,7 @@
           <a:p>
             <a:r>
               <a:rPr lang="en-US" dirty="0" smtClean="0"/>
-              <a:t>Basic Game </a:t>
-            </a:r>
-            <a:r>
-              <a:rPr lang="en-US" dirty="0" smtClean="0"/>
-              <a:t>Description</a:t>
+              <a:t>Basic Game Description</a:t>
             </a:r>
             <a:endParaRPr lang="en-US" dirty="0"/>
           </a:p>
@@ -4688,7 +4792,6 @@
               <a:rPr lang="en-US" dirty="0" smtClean="0"/>
               <a:t>Racing through space.</a:t>
             </a:r>
-            <a:endParaRPr lang="en-US" dirty="0" smtClean="0"/>
           </a:p>
           <a:p>
             <a:r>
@@ -4719,7 +4822,6 @@
               <a:rPr lang="en-US" dirty="0" smtClean="0"/>
               <a:t>INSERT GRAPHAX</a:t>
             </a:r>
-            <a:endParaRPr lang="en-US" dirty="0" smtClean="0"/>
           </a:p>
           <a:p>
             <a:endParaRPr lang="en-US" dirty="0" smtClean="0"/>
@@ -4808,6 +4910,128 @@
           <a:bodyPr/>
           <a:lstStyle/>
           <a:p>
+            <a:endParaRPr lang="en-US" dirty="0"/>
+          </a:p>
+        </p:txBody>
+      </p:sp>
+      <p:pic>
+        <p:nvPicPr>
+          <p:cNvPr id="4" name="Picture 3" descr="that1group-logo-white.jpg"/>
+          <p:cNvPicPr>
+            <a:picLocks noChangeAspect="1"/>
+          </p:cNvPicPr>
+          <p:nvPr/>
+        </p:nvPicPr>
+        <p:blipFill>
+          <a:blip r:embed="rId2">
+            <a:extLst>
+              <a:ext uri="{28A0092B-C50C-407E-A947-70E740481C1C}">
+                <a14:useLocalDpi xmlns:a14="http://schemas.microsoft.com/office/drawing/2010/main" val="0"/>
+              </a:ext>
+            </a:extLst>
+          </a:blip>
+          <a:stretch>
+            <a:fillRect/>
+          </a:stretch>
+        </p:blipFill>
+        <p:spPr>
+          <a:xfrm>
+            <a:off x="7366000" y="5715000"/>
+            <a:ext cx="1524000" cy="1143000"/>
+          </a:xfrm>
+          <a:prstGeom prst="rect">
+            <a:avLst/>
+          </a:prstGeom>
+        </p:spPr>
+      </p:pic>
+      <p:sp>
+        <p:nvSpPr>
+          <p:cNvPr id="6" name="Content Placeholder 5"/>
+          <p:cNvSpPr>
+            <a:spLocks noGrp="1"/>
+          </p:cNvSpPr>
+          <p:nvPr>
+            <p:ph idx="1"/>
+          </p:nvPr>
+        </p:nvSpPr>
+        <p:spPr/>
+        <p:txBody>
+          <a:bodyPr/>
+          <a:lstStyle/>
+          <a:p>
+            <a:endParaRPr lang="en-US" dirty="0"/>
+          </a:p>
+        </p:txBody>
+      </p:sp>
+      <p:pic>
+        <p:nvPicPr>
+          <p:cNvPr id="7" name="Picture 6"/>
+          <p:cNvPicPr>
+            <a:picLocks noChangeAspect="1"/>
+          </p:cNvPicPr>
+          <p:nvPr/>
+        </p:nvPicPr>
+        <p:blipFill>
+          <a:blip r:embed="rId3"/>
+          <a:stretch>
+            <a:fillRect/>
+          </a:stretch>
+        </p:blipFill>
+        <p:spPr>
+          <a:xfrm>
+            <a:off x="457200" y="533400"/>
+            <a:ext cx="4343399" cy="2862785"/>
+          </a:xfrm>
+          <a:prstGeom prst="rect">
+            <a:avLst/>
+          </a:prstGeom>
+        </p:spPr>
+      </p:pic>
+    </p:spTree>
+    <p:extLst>
+      <p:ext uri="{BB962C8B-B14F-4D97-AF65-F5344CB8AC3E}">
+        <p14:creationId xmlns:p14="http://schemas.microsoft.com/office/powerpoint/2010/main" val="836905932"/>
+      </p:ext>
+    </p:extLst>
+  </p:cSld>
+  <p:clrMapOvr>
+    <a:masterClrMapping/>
+  </p:clrMapOvr>
+</p:sld>
+</file>
+
+<file path=ppt/slides/slide5.xml><?xml version="1.0" encoding="utf-8"?>
+<p:sld xmlns:a="http://schemas.openxmlformats.org/drawingml/2006/main" xmlns:r="http://schemas.openxmlformats.org/officeDocument/2006/relationships" xmlns:p="http://schemas.openxmlformats.org/presentationml/2006/main">
+  <p:cSld>
+    <p:spTree>
+      <p:nvGrpSpPr>
+        <p:cNvPr id="1" name=""/>
+        <p:cNvGrpSpPr/>
+        <p:nvPr/>
+      </p:nvGrpSpPr>
+      <p:grpSpPr>
+        <a:xfrm>
+          <a:off x="0" y="0"/>
+          <a:ext cx="0" cy="0"/>
+          <a:chOff x="0" y="0"/>
+          <a:chExt cx="0" cy="0"/>
+        </a:xfrm>
+      </p:grpSpPr>
+      <p:sp>
+        <p:nvSpPr>
+          <p:cNvPr id="2" name="Title 1"/>
+          <p:cNvSpPr>
+            <a:spLocks noGrp="1"/>
+          </p:cNvSpPr>
+          <p:nvPr>
+            <p:ph type="title"/>
+          </p:nvPr>
+        </p:nvSpPr>
+        <p:spPr/>
+        <p:txBody>
+          <a:bodyPr/>
+          <a:lstStyle/>
+          <a:p>
             <a:r>
               <a:rPr lang="en-US" dirty="0" smtClean="0"/>
               <a:t>Main Algorithm - Math</a:t>
@@ -5059,7 +5283,7 @@
 </p:sld>
 </file>
 
-<file path=ppt/slides/slide5.xml><?xml version="1.0" encoding="utf-8"?>
+<file path=ppt/slides/slide6.xml><?xml version="1.0" encoding="utf-8"?>
 <p:sld xmlns:a="http://schemas.openxmlformats.org/drawingml/2006/main" xmlns:r="http://schemas.openxmlformats.org/officeDocument/2006/relationships" xmlns:p="http://schemas.openxmlformats.org/presentationml/2006/main">
   <p:cSld>
     <p:spTree>
@@ -5201,7 +5425,7 @@
 </p:sld>
 </file>
 
-<file path=ppt/slides/slide6.xml><?xml version="1.0" encoding="utf-8"?>
+<file path=ppt/slides/slide7.xml><?xml version="1.0" encoding="utf-8"?>
 <p:sld xmlns:a="http://schemas.openxmlformats.org/drawingml/2006/main" xmlns:r="http://schemas.openxmlformats.org/officeDocument/2006/relationships" xmlns:p="http://schemas.openxmlformats.org/presentationml/2006/main">
   <p:cSld>
     <p:spTree>
@@ -5334,7 +5558,7 @@
 </p:sld>
 </file>
 
-<file path=ppt/slides/slide7.xml><?xml version="1.0" encoding="utf-8"?>
+<file path=ppt/slides/slide8.xml><?xml version="1.0" encoding="utf-8"?>
 <p:sld xmlns:a="http://schemas.openxmlformats.org/drawingml/2006/main" xmlns:r="http://schemas.openxmlformats.org/officeDocument/2006/relationships" xmlns:p="http://schemas.openxmlformats.org/presentationml/2006/main">
   <p:cSld>
     <p:spTree>
@@ -5488,7 +5712,7 @@
 </p:sld>
 </file>
 
-<file path=ppt/slides/slide8.xml><?xml version="1.0" encoding="utf-8"?>
+<file path=ppt/slides/slide9.xml><?xml version="1.0" encoding="utf-8"?>
 <p:sld xmlns:a="http://schemas.openxmlformats.org/drawingml/2006/main" xmlns:r="http://schemas.openxmlformats.org/officeDocument/2006/relationships" xmlns:p="http://schemas.openxmlformats.org/presentationml/2006/main">
   <p:cSld>
     <p:spTree>
@@ -5650,121 +5874,6 @@
     <p:extLst>
       <p:ext uri="{BB962C8B-B14F-4D97-AF65-F5344CB8AC3E}">
         <p14:creationId xmlns:p14="http://schemas.microsoft.com/office/powerpoint/2010/main" val="1554782554"/>
-      </p:ext>
-    </p:extLst>
-  </p:cSld>
-  <p:clrMapOvr>
-    <a:masterClrMapping/>
-  </p:clrMapOvr>
-  <p:timing>
-    <p:tnLst>
-      <p:par>
-        <p:cTn xmlns:p14="http://schemas.microsoft.com/office/powerpoint/2010/main" id="1" dur="indefinite" restart="never" nodeType="tmRoot"/>
-      </p:par>
-    </p:tnLst>
-  </p:timing>
-</p:sld>
-</file>
-
-<file path=ppt/slides/slide9.xml><?xml version="1.0" encoding="utf-8"?>
-<p:sld xmlns:a="http://schemas.openxmlformats.org/drawingml/2006/main" xmlns:r="http://schemas.openxmlformats.org/officeDocument/2006/relationships" xmlns:p="http://schemas.openxmlformats.org/presentationml/2006/main">
-  <p:cSld>
-    <p:spTree>
-      <p:nvGrpSpPr>
-        <p:cNvPr id="1" name=""/>
-        <p:cNvGrpSpPr/>
-        <p:nvPr/>
-      </p:nvGrpSpPr>
-      <p:grpSpPr>
-        <a:xfrm>
-          <a:off x="0" y="0"/>
-          <a:ext cx="0" cy="0"/>
-          <a:chOff x="0" y="0"/>
-          <a:chExt cx="0" cy="0"/>
-        </a:xfrm>
-      </p:grpSpPr>
-      <p:sp>
-        <p:nvSpPr>
-          <p:cNvPr id="2" name="Title 1"/>
-          <p:cNvSpPr>
-            <a:spLocks noGrp="1"/>
-          </p:cNvSpPr>
-          <p:nvPr>
-            <p:ph type="title"/>
-          </p:nvPr>
-        </p:nvSpPr>
-        <p:spPr/>
-        <p:txBody>
-          <a:bodyPr/>
-          <a:lstStyle/>
-          <a:p>
-            <a:r>
-              <a:rPr lang="en-US" dirty="0" smtClean="0"/>
-              <a:t>Gantt Chart</a:t>
-            </a:r>
-            <a:endParaRPr lang="en-US" dirty="0"/>
-          </a:p>
-        </p:txBody>
-      </p:sp>
-      <p:graphicFrame>
-        <p:nvGraphicFramePr>
-          <p:cNvPr id="4" name="Content Placeholder 3"/>
-          <p:cNvGraphicFramePr>
-            <a:graphicFrameLocks noGrp="1"/>
-          </p:cNvGraphicFramePr>
-          <p:nvPr>
-            <p:ph idx="1"/>
-            <p:extLst>
-              <p:ext uri="{D42A27DB-BD31-4B8C-83A1-F6EECF244321}">
-                <p14:modId xmlns:p14="http://schemas.microsoft.com/office/powerpoint/2010/main" val="3509556602"/>
-              </p:ext>
-            </p:extLst>
-          </p:nvPr>
-        </p:nvGraphicFramePr>
-        <p:xfrm>
-          <a:off x="457200" y="1295400"/>
-          <a:ext cx="8229600" cy="4525963"/>
-        </p:xfrm>
-        <a:graphic>
-          <a:graphicData uri="http://schemas.openxmlformats.org/drawingml/2006/chart">
-            <c:chart xmlns:c="http://schemas.openxmlformats.org/drawingml/2006/chart" xmlns:r="http://schemas.openxmlformats.org/officeDocument/2006/relationships" r:id="rId2"/>
-          </a:graphicData>
-        </a:graphic>
-      </p:graphicFrame>
-      <p:pic>
-        <p:nvPicPr>
-          <p:cNvPr id="7" name="Picture 6" descr="that1group-logo-white.jpg"/>
-          <p:cNvPicPr>
-            <a:picLocks noChangeAspect="1"/>
-          </p:cNvPicPr>
-          <p:nvPr/>
-        </p:nvPicPr>
-        <p:blipFill>
-          <a:blip r:embed="rId3">
-            <a:extLst>
-              <a:ext uri="{28A0092B-C50C-407E-A947-70E740481C1C}">
-                <a14:useLocalDpi xmlns:a14="http://schemas.microsoft.com/office/drawing/2010/main" val="0"/>
-              </a:ext>
-            </a:extLst>
-          </a:blip>
-          <a:stretch>
-            <a:fillRect/>
-          </a:stretch>
-        </p:blipFill>
-        <p:spPr>
-          <a:xfrm>
-            <a:off x="7366000" y="5715000"/>
-            <a:ext cx="1524000" cy="1143000"/>
-          </a:xfrm>
-          <a:prstGeom prst="rect">
-            <a:avLst/>
-          </a:prstGeom>
-        </p:spPr>
-      </p:pic>
-    </p:spTree>
-    <p:extLst>
-      <p:ext uri="{BB962C8B-B14F-4D97-AF65-F5344CB8AC3E}">
-        <p14:creationId xmlns:p14="http://schemas.microsoft.com/office/powerpoint/2010/main" val="1111077571"/>
       </p:ext>
     </p:extLst>
   </p:cSld>

--- a/The Great Audio Race 2.pptx
+++ b/The Great Audio Race 2.pptx
@@ -4944,25 +4944,36 @@
           </a:prstGeom>
         </p:spPr>
       </p:pic>
-      <p:sp>
-        <p:nvSpPr>
-          <p:cNvPr id="6" name="Content Placeholder 5"/>
-          <p:cNvSpPr>
-            <a:spLocks noGrp="1"/>
-          </p:cNvSpPr>
+      <p:pic>
+        <p:nvPicPr>
+          <p:cNvPr id="9" name="Content Placeholder 8" descr="high scores menu.png"/>
+          <p:cNvPicPr>
+            <a:picLocks noGrp="1" noChangeAspect="1"/>
+          </p:cNvPicPr>
           <p:nvPr>
             <p:ph idx="1"/>
           </p:nvPr>
-        </p:nvSpPr>
-        <p:spPr/>
-        <p:txBody>
-          <a:bodyPr/>
-          <a:lstStyle/>
-          <a:p>
-            <a:endParaRPr lang="en-US" dirty="0"/>
-          </a:p>
-        </p:txBody>
-      </p:sp>
+        </p:nvPicPr>
+        <p:blipFill>
+          <a:blip r:embed="rId3">
+            <a:extLst>
+              <a:ext uri="{28A0092B-C50C-407E-A947-70E740481C1C}">
+                <a14:useLocalDpi xmlns:a14="http://schemas.microsoft.com/office/drawing/2010/main" val="0"/>
+              </a:ext>
+            </a:extLst>
+          </a:blip>
+          <a:srcRect t="7574" b="7574"/>
+          <a:stretch>
+            <a:fillRect/>
+          </a:stretch>
+        </p:blipFill>
+        <p:spPr>
+          <a:xfrm>
+            <a:off x="4495800" y="304800"/>
+            <a:ext cx="4343400" cy="2819400"/>
+          </a:xfrm>
+        </p:spPr>
+      </p:pic>
       <p:pic>
         <p:nvPicPr>
           <p:cNvPr id="7" name="Picture 6"/>
@@ -4972,15 +4983,39 @@
           <p:nvPr/>
         </p:nvPicPr>
         <p:blipFill>
-          <a:blip r:embed="rId3"/>
+          <a:blip r:embed="rId4"/>
           <a:stretch>
             <a:fillRect/>
           </a:stretch>
         </p:blipFill>
         <p:spPr>
           <a:xfrm>
-            <a:off x="457200" y="533400"/>
+            <a:off x="2667000" y="3505200"/>
             <a:ext cx="4343399" cy="2862785"/>
+          </a:xfrm>
+          <a:prstGeom prst="rect">
+            <a:avLst/>
+          </a:prstGeom>
+        </p:spPr>
+      </p:pic>
+      <p:pic>
+        <p:nvPicPr>
+          <p:cNvPr id="8" name="Picture 7"/>
+          <p:cNvPicPr>
+            <a:picLocks noChangeAspect="1"/>
+          </p:cNvPicPr>
+          <p:nvPr/>
+        </p:nvPicPr>
+        <p:blipFill>
+          <a:blip r:embed="rId5"/>
+          <a:stretch>
+            <a:fillRect/>
+          </a:stretch>
+        </p:blipFill>
+        <p:spPr>
+          <a:xfrm>
+            <a:off x="228600" y="228600"/>
+            <a:ext cx="4191000" cy="3020353"/>
           </a:xfrm>
           <a:prstGeom prst="rect">
             <a:avLst/>
@@ -4997,6 +5032,13 @@
   <p:clrMapOvr>
     <a:masterClrMapping/>
   </p:clrMapOvr>
+  <p:timing>
+    <p:tnLst>
+      <p:par>
+        <p:cTn xmlns:p14="http://schemas.microsoft.com/office/powerpoint/2010/main" id="1" dur="indefinite" restart="never" nodeType="tmRoot"/>
+      </p:par>
+    </p:tnLst>
+  </p:timing>
 </p:sld>
 </file>
 

--- a/The Great Audio Race 2.pptx
+++ b/The Great Audio Race 2.pptx
@@ -4818,10 +4818,10 @@
             </a:r>
           </a:p>
           <a:p>
-            <a:r>
-              <a:rPr lang="en-US" dirty="0" smtClean="0"/>
-              <a:t>INSERT GRAPHAX</a:t>
-            </a:r>
+            <a:pPr marL="0" indent="0">
+              <a:buNone/>
+            </a:pPr>
+            <a:endParaRPr lang="en-US" dirty="0" smtClean="0"/>
           </a:p>
           <a:p>
             <a:endParaRPr lang="en-US" dirty="0" smtClean="0"/>

--- a/The Great Audio Race 2.pptx
+++ b/The Great Audio Race 2.pptx
@@ -515,11 +515,11 @@
         </c:dLbls>
         <c:gapWidth val="150"/>
         <c:overlap val="100"/>
-        <c:axId val="2081091080"/>
-        <c:axId val="2081043672"/>
+        <c:axId val="2097024952"/>
+        <c:axId val="2097308488"/>
       </c:barChart>
       <c:catAx>
-        <c:axId val="2081091080"/>
+        <c:axId val="2097024952"/>
         <c:scaling>
           <c:orientation val="maxMin"/>
         </c:scaling>
@@ -528,7 +528,7 @@
         <c:majorTickMark val="out"/>
         <c:minorTickMark val="none"/>
         <c:tickLblPos val="nextTo"/>
-        <c:crossAx val="2081043672"/>
+        <c:crossAx val="2097308488"/>
         <c:crosses val="autoZero"/>
         <c:auto val="1"/>
         <c:lblAlgn val="ctr"/>
@@ -536,7 +536,7 @@
         <c:noMultiLvlLbl val="0"/>
       </c:catAx>
       <c:valAx>
-        <c:axId val="2081043672"/>
+        <c:axId val="2097308488"/>
         <c:scaling>
           <c:orientation val="minMax"/>
           <c:max val="40870.0"/>
@@ -549,7 +549,7 @@
         <c:majorTickMark val="out"/>
         <c:minorTickMark val="none"/>
         <c:tickLblPos val="nextTo"/>
-        <c:crossAx val="2081091080"/>
+        <c:crossAx val="2097024952"/>
         <c:crosses val="autoZero"/>
         <c:crossBetween val="between"/>
       </c:valAx>
@@ -759,7 +759,7 @@
           <a:p>
             <a:fld id="{CAF76F7E-B1F9-4A83-B249-B1B3F09A72E9}" type="datetimeFigureOut">
               <a:rPr lang="en-US" smtClean="0"/>
-              <a:t>11/8/11</a:t>
+              <a:t>11/21/11</a:t>
             </a:fld>
             <a:endParaRPr lang="en-US"/>
           </a:p>
@@ -929,7 +929,7 @@
           <a:p>
             <a:fld id="{CAF76F7E-B1F9-4A83-B249-B1B3F09A72E9}" type="datetimeFigureOut">
               <a:rPr lang="en-US" smtClean="0"/>
-              <a:t>11/8/11</a:t>
+              <a:t>11/21/11</a:t>
             </a:fld>
             <a:endParaRPr lang="en-US"/>
           </a:p>
@@ -1109,7 +1109,7 @@
           <a:p>
             <a:fld id="{CAF76F7E-B1F9-4A83-B249-B1B3F09A72E9}" type="datetimeFigureOut">
               <a:rPr lang="en-US" smtClean="0"/>
-              <a:t>11/8/11</a:t>
+              <a:t>11/21/11</a:t>
             </a:fld>
             <a:endParaRPr lang="en-US"/>
           </a:p>
@@ -1279,7 +1279,7 @@
           <a:p>
             <a:fld id="{CAF76F7E-B1F9-4A83-B249-B1B3F09A72E9}" type="datetimeFigureOut">
               <a:rPr lang="en-US" smtClean="0"/>
-              <a:t>11/8/11</a:t>
+              <a:t>11/21/11</a:t>
             </a:fld>
             <a:endParaRPr lang="en-US"/>
           </a:p>
@@ -1525,7 +1525,7 @@
           <a:p>
             <a:fld id="{CAF76F7E-B1F9-4A83-B249-B1B3F09A72E9}" type="datetimeFigureOut">
               <a:rPr lang="en-US" smtClean="0"/>
-              <a:t>11/8/11</a:t>
+              <a:t>11/21/11</a:t>
             </a:fld>
             <a:endParaRPr lang="en-US"/>
           </a:p>
@@ -1813,7 +1813,7 @@
           <a:p>
             <a:fld id="{CAF76F7E-B1F9-4A83-B249-B1B3F09A72E9}" type="datetimeFigureOut">
               <a:rPr lang="en-US" smtClean="0"/>
-              <a:t>11/8/11</a:t>
+              <a:t>11/21/11</a:t>
             </a:fld>
             <a:endParaRPr lang="en-US"/>
           </a:p>
@@ -2235,7 +2235,7 @@
           <a:p>
             <a:fld id="{CAF76F7E-B1F9-4A83-B249-B1B3F09A72E9}" type="datetimeFigureOut">
               <a:rPr lang="en-US" smtClean="0"/>
-              <a:t>11/8/11</a:t>
+              <a:t>11/21/11</a:t>
             </a:fld>
             <a:endParaRPr lang="en-US"/>
           </a:p>
@@ -2353,7 +2353,7 @@
           <a:p>
             <a:fld id="{CAF76F7E-B1F9-4A83-B249-B1B3F09A72E9}" type="datetimeFigureOut">
               <a:rPr lang="en-US" smtClean="0"/>
-              <a:t>11/8/11</a:t>
+              <a:t>11/21/11</a:t>
             </a:fld>
             <a:endParaRPr lang="en-US"/>
           </a:p>
@@ -2448,7 +2448,7 @@
           <a:p>
             <a:fld id="{CAF76F7E-B1F9-4A83-B249-B1B3F09A72E9}" type="datetimeFigureOut">
               <a:rPr lang="en-US" smtClean="0"/>
-              <a:t>11/8/11</a:t>
+              <a:t>11/21/11</a:t>
             </a:fld>
             <a:endParaRPr lang="en-US"/>
           </a:p>
@@ -2725,7 +2725,7 @@
           <a:p>
             <a:fld id="{CAF76F7E-B1F9-4A83-B249-B1B3F09A72E9}" type="datetimeFigureOut">
               <a:rPr lang="en-US" smtClean="0"/>
-              <a:t>11/8/11</a:t>
+              <a:t>11/21/11</a:t>
             </a:fld>
             <a:endParaRPr lang="en-US"/>
           </a:p>
@@ -2978,7 +2978,7 @@
           <a:p>
             <a:fld id="{CAF76F7E-B1F9-4A83-B249-B1B3F09A72E9}" type="datetimeFigureOut">
               <a:rPr lang="en-US" smtClean="0"/>
-              <a:t>11/8/11</a:t>
+              <a:t>11/21/11</a:t>
             </a:fld>
             <a:endParaRPr lang="en-US"/>
           </a:p>
@@ -3191,7 +3191,7 @@
           <a:p>
             <a:fld id="{CAF76F7E-B1F9-4A83-B249-B1B3F09A72E9}" type="datetimeFigureOut">
               <a:rPr lang="en-US" smtClean="0"/>
-              <a:t>11/8/11</a:t>
+              <a:t>11/21/11</a:t>
             </a:fld>
             <a:endParaRPr lang="en-US"/>
           </a:p>
@@ -4659,19 +4659,21 @@
           <a:p>
             <a:r>
               <a:rPr lang="en-US" dirty="0" smtClean="0"/>
-              <a:t>About the game.</a:t>
-            </a:r>
-          </a:p>
-          <a:p>
+              <a:t>Social aspects of the </a:t>
+            </a:r>
+            <a:r>
+              <a:rPr lang="en-US" smtClean="0"/>
+              <a:t>game.</a:t>
+            </a:r>
+          </a:p>
+          <a:p>
+            <a:r>
+              <a:rPr lang="en-US" smtClean="0"/>
+              <a:t>Status </a:t>
+            </a:r>
             <a:r>
               <a:rPr lang="en-US" dirty="0" smtClean="0"/>
-              <a:t>Relevance to the topic.</a:t>
-            </a:r>
-          </a:p>
-          <a:p>
-            <a:r>
-              <a:rPr lang="en-US" dirty="0" smtClean="0"/>
-              <a:t>Status of game.</a:t>
+              <a:t>of game.</a:t>
             </a:r>
           </a:p>
           <a:p>

--- a/The Great Audio Race 2.pptx
+++ b/The Great Audio Race 2.pptx
@@ -4659,22 +4659,27 @@
           <a:p>
             <a:r>
               <a:rPr lang="en-US" dirty="0" smtClean="0"/>
-              <a:t>Social aspects of the </a:t>
-            </a:r>
-            <a:r>
-              <a:rPr lang="en-US" smtClean="0"/>
-              <a:t>game.</a:t>
-            </a:r>
-          </a:p>
-          <a:p>
-            <a:r>
-              <a:rPr lang="en-US" smtClean="0"/>
-              <a:t>Status </a:t>
-            </a:r>
+              <a:t>Social aspects of the game.</a:t>
+            </a:r>
+          </a:p>
+          <a:p>
             <a:r>
               <a:rPr lang="en-US" dirty="0" smtClean="0"/>
+              <a:t>About the final game.</a:t>
+            </a:r>
+          </a:p>
+          <a:p>
+            <a:r>
+              <a:rPr lang="en-US" dirty="0" smtClean="0"/>
+              <a:t>Test run </a:t>
+            </a:r>
+            <a:r>
+              <a:rPr lang="en-US" smtClean="0"/>
               <a:t>of game.</a:t>
             </a:r>
+          </a:p>
+          <a:p>
+            <a:endParaRPr lang="en-US" dirty="0" smtClean="0"/>
           </a:p>
           <a:p>
             <a:r>
